--- a/docs/system view/System Tree Template.pptx
+++ b/docs/system view/System Tree Template.pptx
@@ -884,14 +884,10 @@
         <a:lstStyle/>
         <a:p>
           <a:r>
-            <a:rPr lang="de-DE" sz="2000" dirty="0" smtClean="0"/>
-            <a:t>System </a:t>
+            <a:rPr lang="en-GB" sz="2000" noProof="0" dirty="0" smtClean="0"/>
+            <a:t>System Tree</a:t>
           </a:r>
-          <a:r>
-            <a:rPr lang="de-DE" sz="2000" dirty="0" err="1" smtClean="0"/>
-            <a:t>Tree</a:t>
-          </a:r>
-          <a:endParaRPr lang="de-DE" sz="2000" dirty="0"/>
+          <a:endParaRPr lang="en-GB" sz="2000" noProof="0" dirty="0"/>
         </a:p>
       </dgm:t>
     </dgm:pt>
@@ -924,7 +920,7 @@
         <a:bodyPr/>
         <a:lstStyle/>
         <a:p>
-          <a:endParaRPr lang="de-DE" sz="2400" dirty="0"/>
+          <a:endParaRPr lang="en-GB" sz="2400" noProof="0" dirty="0"/>
         </a:p>
       </dgm:t>
     </dgm:pt>
@@ -957,7 +953,7 @@
         <a:bodyPr/>
         <a:lstStyle/>
         <a:p>
-          <a:endParaRPr lang="de-DE" sz="2400" dirty="0"/>
+          <a:endParaRPr lang="en-GB" sz="2400" noProof="0" dirty="0"/>
         </a:p>
       </dgm:t>
     </dgm:pt>
@@ -990,7 +986,7 @@
         <a:bodyPr/>
         <a:lstStyle/>
         <a:p>
-          <a:endParaRPr lang="de-DE" sz="2400" dirty="0"/>
+          <a:endParaRPr lang="en-GB" sz="2400" noProof="0" dirty="0"/>
         </a:p>
       </dgm:t>
     </dgm:pt>
@@ -1023,7 +1019,7 @@
         <a:bodyPr/>
         <a:lstStyle/>
         <a:p>
-          <a:endParaRPr lang="de-DE" sz="2400" dirty="0"/>
+          <a:endParaRPr lang="en-GB" sz="2400" noProof="0" dirty="0"/>
         </a:p>
       </dgm:t>
     </dgm:pt>
@@ -1056,7 +1052,7 @@
         <a:bodyPr/>
         <a:lstStyle/>
         <a:p>
-          <a:endParaRPr lang="de-DE" sz="2400" dirty="0"/>
+          <a:endParaRPr lang="en-GB" sz="2400" noProof="0" dirty="0"/>
         </a:p>
       </dgm:t>
     </dgm:pt>
@@ -1089,7 +1085,7 @@
         <a:bodyPr/>
         <a:lstStyle/>
         <a:p>
-          <a:endParaRPr lang="de-DE" sz="2400" dirty="0"/>
+          <a:endParaRPr lang="en-GB" sz="2400" noProof="0" dirty="0"/>
         </a:p>
       </dgm:t>
     </dgm:pt>
@@ -1122,7 +1118,7 @@
         <a:bodyPr/>
         <a:lstStyle/>
         <a:p>
-          <a:endParaRPr lang="de-DE" sz="2400" dirty="0"/>
+          <a:endParaRPr lang="en-GB" sz="2400" noProof="0" dirty="0"/>
         </a:p>
       </dgm:t>
     </dgm:pt>
@@ -1155,7 +1151,7 @@
         <a:bodyPr/>
         <a:lstStyle/>
         <a:p>
-          <a:endParaRPr lang="de-DE" sz="2400" dirty="0"/>
+          <a:endParaRPr lang="en-GB" sz="2400" noProof="0" dirty="0"/>
         </a:p>
       </dgm:t>
     </dgm:pt>
@@ -1188,7 +1184,7 @@
         <a:bodyPr/>
         <a:lstStyle/>
         <a:p>
-          <a:endParaRPr lang="de-DE" sz="2400" dirty="0"/>
+          <a:endParaRPr lang="en-GB" sz="2400" noProof="0" dirty="0"/>
         </a:p>
       </dgm:t>
     </dgm:pt>
@@ -1221,7 +1217,7 @@
         <a:bodyPr/>
         <a:lstStyle/>
         <a:p>
-          <a:endParaRPr lang="de-DE" sz="2400" dirty="0"/>
+          <a:endParaRPr lang="en-GB" sz="2400" noProof="0" dirty="0"/>
         </a:p>
       </dgm:t>
     </dgm:pt>
@@ -1287,7 +1283,7 @@
         <a:bodyPr/>
         <a:lstStyle/>
         <a:p>
-          <a:endParaRPr lang="de-DE" sz="2400" dirty="0"/>
+          <a:endParaRPr lang="en-GB" sz="2400" noProof="0" dirty="0"/>
         </a:p>
       </dgm:t>
     </dgm:pt>
@@ -3396,14 +3392,10 @@
             </a:spcAft>
           </a:pPr>
           <a:r>
-            <a:rPr lang="de-DE" sz="2000" kern="1200" dirty="0" smtClean="0"/>
-            <a:t>System </a:t>
+            <a:rPr lang="en-GB" sz="2000" kern="1200" noProof="0" dirty="0" smtClean="0"/>
+            <a:t>System Tree</a:t>
           </a:r>
-          <a:r>
-            <a:rPr lang="de-DE" sz="2000" kern="1200" dirty="0" err="1" smtClean="0"/>
-            <a:t>Tree</a:t>
-          </a:r>
-          <a:endParaRPr lang="de-DE" sz="2000" kern="1200" dirty="0"/>
+          <a:endParaRPr lang="en-GB" sz="2000" kern="1200" noProof="0" dirty="0"/>
         </a:p>
       </dsp:txBody>
       <dsp:txXfrm>
@@ -3505,7 +3497,7 @@
               <a:spcPct val="35000"/>
             </a:spcAft>
           </a:pPr>
-          <a:endParaRPr lang="de-DE" sz="2400" kern="1200" dirty="0"/>
+          <a:endParaRPr lang="en-GB" sz="2400" kern="1200" noProof="0" dirty="0"/>
         </a:p>
       </dsp:txBody>
       <dsp:txXfrm>
@@ -3607,7 +3599,7 @@
               <a:spcPct val="35000"/>
             </a:spcAft>
           </a:pPr>
-          <a:endParaRPr lang="de-DE" sz="2400" kern="1200" dirty="0"/>
+          <a:endParaRPr lang="en-GB" sz="2400" kern="1200" noProof="0" dirty="0"/>
         </a:p>
       </dsp:txBody>
       <dsp:txXfrm>
@@ -3709,7 +3701,7 @@
               <a:spcPct val="35000"/>
             </a:spcAft>
           </a:pPr>
-          <a:endParaRPr lang="de-DE" sz="2400" kern="1200" dirty="0"/>
+          <a:endParaRPr lang="en-GB" sz="2400" kern="1200" noProof="0" dirty="0"/>
         </a:p>
       </dsp:txBody>
       <dsp:txXfrm>
@@ -3811,7 +3803,7 @@
               <a:spcPct val="35000"/>
             </a:spcAft>
           </a:pPr>
-          <a:endParaRPr lang="de-DE" sz="2400" kern="1200" dirty="0"/>
+          <a:endParaRPr lang="en-GB" sz="2400" kern="1200" noProof="0" dirty="0"/>
         </a:p>
       </dsp:txBody>
       <dsp:txXfrm>
@@ -3913,7 +3905,7 @@
               <a:spcPct val="35000"/>
             </a:spcAft>
           </a:pPr>
-          <a:endParaRPr lang="de-DE" sz="2400" kern="1200" dirty="0"/>
+          <a:endParaRPr lang="en-GB" sz="2400" kern="1200" noProof="0" dirty="0"/>
         </a:p>
       </dsp:txBody>
       <dsp:txXfrm>
@@ -4015,7 +4007,7 @@
               <a:spcPct val="35000"/>
             </a:spcAft>
           </a:pPr>
-          <a:endParaRPr lang="de-DE" sz="2400" kern="1200" dirty="0"/>
+          <a:endParaRPr lang="en-GB" sz="2400" kern="1200" noProof="0" dirty="0"/>
         </a:p>
       </dsp:txBody>
       <dsp:txXfrm>
@@ -4117,7 +4109,7 @@
               <a:spcPct val="35000"/>
             </a:spcAft>
           </a:pPr>
-          <a:endParaRPr lang="de-DE" sz="2400" kern="1200" dirty="0"/>
+          <a:endParaRPr lang="en-GB" sz="2400" kern="1200" noProof="0" dirty="0"/>
         </a:p>
       </dsp:txBody>
       <dsp:txXfrm>
@@ -4219,7 +4211,7 @@
               <a:spcPct val="35000"/>
             </a:spcAft>
           </a:pPr>
-          <a:endParaRPr lang="de-DE" sz="2400" kern="1200" dirty="0"/>
+          <a:endParaRPr lang="en-GB" sz="2400" kern="1200" noProof="0" dirty="0"/>
         </a:p>
       </dsp:txBody>
       <dsp:txXfrm>
@@ -4321,7 +4313,7 @@
               <a:spcPct val="35000"/>
             </a:spcAft>
           </a:pPr>
-          <a:endParaRPr lang="de-DE" sz="2400" kern="1200" dirty="0"/>
+          <a:endParaRPr lang="en-GB" sz="2400" kern="1200" noProof="0" dirty="0"/>
         </a:p>
       </dsp:txBody>
       <dsp:txXfrm>
@@ -4423,7 +4415,7 @@
               <a:spcPct val="35000"/>
             </a:spcAft>
           </a:pPr>
-          <a:endParaRPr lang="de-DE" sz="2400" kern="1200" dirty="0"/>
+          <a:endParaRPr lang="en-GB" sz="2400" kern="1200" noProof="0" dirty="0"/>
         </a:p>
       </dsp:txBody>
       <dsp:txXfrm>
@@ -4525,7 +4517,7 @@
               <a:spcPct val="35000"/>
             </a:spcAft>
           </a:pPr>
-          <a:endParaRPr lang="de-DE" sz="2400" kern="1200" dirty="0"/>
+          <a:endParaRPr lang="en-GB" sz="2400" kern="1200" noProof="0" dirty="0"/>
         </a:p>
       </dsp:txBody>
       <dsp:txXfrm>
@@ -6927,7 +6919,7 @@
           <a:p>
             <a:fld id="{E92DEB45-B9ED-42AB-9F1D-48349D5AF979}" type="datetimeFigureOut">
               <a:rPr lang="de-DE" smtClean="0"/>
-              <a:t>01.06.2015</a:t>
+              <a:t>02.06.2015</a:t>
             </a:fld>
             <a:endParaRPr lang="de-DE"/>
           </a:p>
@@ -7086,7 +7078,7 @@
           <a:p>
             <a:fld id="{1157CB78-9269-4442-88B8-B9A4BD50A0FF}" type="slidenum">
               <a:rPr lang="de-DE" smtClean="0"/>
-              <a:t>‹#›</a:t>
+              <a:t>‹Nr.›</a:t>
             </a:fld>
             <a:endParaRPr lang="de-DE"/>
           </a:p>
@@ -7433,7 +7425,7 @@
           <a:p>
             <a:fld id="{931D9FDD-5D19-48DC-94F9-AC236C63AC1C}" type="datetimeFigureOut">
               <a:rPr lang="de-DE" smtClean="0"/>
-              <a:t>01.06.2015</a:t>
+              <a:t>02.06.2015</a:t>
             </a:fld>
             <a:endParaRPr lang="de-DE"/>
           </a:p>
@@ -7475,7 +7467,7 @@
           <a:p>
             <a:fld id="{8627982B-0C08-444F-A620-23F1D62B75D0}" type="slidenum">
               <a:rPr lang="de-DE" smtClean="0"/>
-              <a:t>‹#›</a:t>
+              <a:t>‹Nr.›</a:t>
             </a:fld>
             <a:endParaRPr lang="de-DE"/>
           </a:p>
@@ -7603,7 +7595,7 @@
           <a:p>
             <a:fld id="{931D9FDD-5D19-48DC-94F9-AC236C63AC1C}" type="datetimeFigureOut">
               <a:rPr lang="de-DE" smtClean="0"/>
-              <a:t>01.06.2015</a:t>
+              <a:t>02.06.2015</a:t>
             </a:fld>
             <a:endParaRPr lang="de-DE"/>
           </a:p>
@@ -7645,7 +7637,7 @@
           <a:p>
             <a:fld id="{8627982B-0C08-444F-A620-23F1D62B75D0}" type="slidenum">
               <a:rPr lang="de-DE" smtClean="0"/>
-              <a:t>‹#›</a:t>
+              <a:t>‹Nr.›</a:t>
             </a:fld>
             <a:endParaRPr lang="de-DE"/>
           </a:p>
@@ -7783,7 +7775,7 @@
           <a:p>
             <a:fld id="{931D9FDD-5D19-48DC-94F9-AC236C63AC1C}" type="datetimeFigureOut">
               <a:rPr lang="de-DE" smtClean="0"/>
-              <a:t>01.06.2015</a:t>
+              <a:t>02.06.2015</a:t>
             </a:fld>
             <a:endParaRPr lang="de-DE"/>
           </a:p>
@@ -7825,7 +7817,7 @@
           <a:p>
             <a:fld id="{8627982B-0C08-444F-A620-23F1D62B75D0}" type="slidenum">
               <a:rPr lang="de-DE" smtClean="0"/>
-              <a:t>‹#›</a:t>
+              <a:t>‹Nr.›</a:t>
             </a:fld>
             <a:endParaRPr lang="de-DE"/>
           </a:p>
@@ -8103,7 +8095,7 @@
           <a:p>
             <a:fld id="{931D9FDD-5D19-48DC-94F9-AC236C63AC1C}" type="datetimeFigureOut">
               <a:rPr lang="de-DE" smtClean="0"/>
-              <a:t>01.06.2015</a:t>
+              <a:t>02.06.2015</a:t>
             </a:fld>
             <a:endParaRPr lang="de-DE"/>
           </a:p>
@@ -8145,7 +8137,7 @@
           <a:p>
             <a:fld id="{8627982B-0C08-444F-A620-23F1D62B75D0}" type="slidenum">
               <a:rPr lang="de-DE" smtClean="0"/>
-              <a:t>‹#›</a:t>
+              <a:t>‹Nr.›</a:t>
             </a:fld>
             <a:endParaRPr lang="de-DE"/>
           </a:p>
@@ -8349,7 +8341,7 @@
           <a:p>
             <a:fld id="{931D9FDD-5D19-48DC-94F9-AC236C63AC1C}" type="datetimeFigureOut">
               <a:rPr lang="de-DE" smtClean="0"/>
-              <a:t>01.06.2015</a:t>
+              <a:t>02.06.2015</a:t>
             </a:fld>
             <a:endParaRPr lang="de-DE"/>
           </a:p>
@@ -8391,7 +8383,7 @@
           <a:p>
             <a:fld id="{8627982B-0C08-444F-A620-23F1D62B75D0}" type="slidenum">
               <a:rPr lang="de-DE" smtClean="0"/>
-              <a:t>‹#›</a:t>
+              <a:t>‹Nr.›</a:t>
             </a:fld>
             <a:endParaRPr lang="de-DE"/>
           </a:p>
@@ -8581,7 +8573,7 @@
           <a:p>
             <a:fld id="{931D9FDD-5D19-48DC-94F9-AC236C63AC1C}" type="datetimeFigureOut">
               <a:rPr lang="de-DE" smtClean="0"/>
-              <a:t>01.06.2015</a:t>
+              <a:t>02.06.2015</a:t>
             </a:fld>
             <a:endParaRPr lang="de-DE"/>
           </a:p>
@@ -8623,7 +8615,7 @@
           <a:p>
             <a:fld id="{8627982B-0C08-444F-A620-23F1D62B75D0}" type="slidenum">
               <a:rPr lang="de-DE" smtClean="0"/>
-              <a:t>‹#›</a:t>
+              <a:t>‹Nr.›</a:t>
             </a:fld>
             <a:endParaRPr lang="de-DE"/>
           </a:p>
@@ -8948,7 +8940,7 @@
           <a:p>
             <a:fld id="{931D9FDD-5D19-48DC-94F9-AC236C63AC1C}" type="datetimeFigureOut">
               <a:rPr lang="de-DE" smtClean="0"/>
-              <a:t>01.06.2015</a:t>
+              <a:t>02.06.2015</a:t>
             </a:fld>
             <a:endParaRPr lang="de-DE"/>
           </a:p>
@@ -8990,7 +8982,7 @@
           <a:p>
             <a:fld id="{8627982B-0C08-444F-A620-23F1D62B75D0}" type="slidenum">
               <a:rPr lang="de-DE" smtClean="0"/>
-              <a:t>‹#›</a:t>
+              <a:t>‹Nr.›</a:t>
             </a:fld>
             <a:endParaRPr lang="de-DE"/>
           </a:p>
@@ -9066,7 +9058,7 @@
           <a:p>
             <a:fld id="{931D9FDD-5D19-48DC-94F9-AC236C63AC1C}" type="datetimeFigureOut">
               <a:rPr lang="de-DE" smtClean="0"/>
-              <a:t>01.06.2015</a:t>
+              <a:t>02.06.2015</a:t>
             </a:fld>
             <a:endParaRPr lang="de-DE"/>
           </a:p>
@@ -9108,7 +9100,7 @@
           <a:p>
             <a:fld id="{8627982B-0C08-444F-A620-23F1D62B75D0}" type="slidenum">
               <a:rPr lang="de-DE" smtClean="0"/>
-              <a:t>‹#›</a:t>
+              <a:t>‹Nr.›</a:t>
             </a:fld>
             <a:endParaRPr lang="de-DE"/>
           </a:p>
@@ -9161,7 +9153,7 @@
           <a:p>
             <a:fld id="{931D9FDD-5D19-48DC-94F9-AC236C63AC1C}" type="datetimeFigureOut">
               <a:rPr lang="de-DE" smtClean="0"/>
-              <a:t>01.06.2015</a:t>
+              <a:t>02.06.2015</a:t>
             </a:fld>
             <a:endParaRPr lang="de-DE"/>
           </a:p>
@@ -9203,7 +9195,7 @@
           <a:p>
             <a:fld id="{8627982B-0C08-444F-A620-23F1D62B75D0}" type="slidenum">
               <a:rPr lang="de-DE" smtClean="0"/>
-              <a:t>‹#›</a:t>
+              <a:t>‹Nr.›</a:t>
             </a:fld>
             <a:endParaRPr lang="de-DE"/>
           </a:p>
@@ -9438,7 +9430,7 @@
           <a:p>
             <a:fld id="{931D9FDD-5D19-48DC-94F9-AC236C63AC1C}" type="datetimeFigureOut">
               <a:rPr lang="de-DE" smtClean="0"/>
-              <a:t>01.06.2015</a:t>
+              <a:t>02.06.2015</a:t>
             </a:fld>
             <a:endParaRPr lang="de-DE"/>
           </a:p>
@@ -9480,7 +9472,7 @@
           <a:p>
             <a:fld id="{8627982B-0C08-444F-A620-23F1D62B75D0}" type="slidenum">
               <a:rPr lang="de-DE" smtClean="0"/>
-              <a:t>‹#›</a:t>
+              <a:t>‹Nr.›</a:t>
             </a:fld>
             <a:endParaRPr lang="de-DE"/>
           </a:p>
@@ -9691,7 +9683,7 @@
           <a:p>
             <a:fld id="{931D9FDD-5D19-48DC-94F9-AC236C63AC1C}" type="datetimeFigureOut">
               <a:rPr lang="de-DE" smtClean="0"/>
-              <a:t>01.06.2015</a:t>
+              <a:t>02.06.2015</a:t>
             </a:fld>
             <a:endParaRPr lang="de-DE"/>
           </a:p>
@@ -9733,7 +9725,7 @@
           <a:p>
             <a:fld id="{8627982B-0C08-444F-A620-23F1D62B75D0}" type="slidenum">
               <a:rPr lang="de-DE" smtClean="0"/>
-              <a:t>‹#›</a:t>
+              <a:t>‹Nr.›</a:t>
             </a:fld>
             <a:endParaRPr lang="de-DE"/>
           </a:p>
@@ -9904,7 +9896,7 @@
           <a:p>
             <a:fld id="{931D9FDD-5D19-48DC-94F9-AC236C63AC1C}" type="datetimeFigureOut">
               <a:rPr lang="de-DE" smtClean="0"/>
-              <a:t>01.06.2015</a:t>
+              <a:t>02.06.2015</a:t>
             </a:fld>
             <a:endParaRPr lang="de-DE"/>
           </a:p>
@@ -9982,7 +9974,7 @@
           <a:p>
             <a:fld id="{8627982B-0C08-444F-A620-23F1D62B75D0}" type="slidenum">
               <a:rPr lang="de-DE" smtClean="0"/>
-              <a:t>‹#›</a:t>
+              <a:t>‹Nr.›</a:t>
             </a:fld>
             <a:endParaRPr lang="de-DE"/>
           </a:p>
@@ -10320,7 +10312,7 @@
             <p:ph idx="1"/>
             <p:extLst>
               <p:ext uri="{D42A27DB-BD31-4B8C-83A1-F6EECF244321}">
-                <p14:modId xmlns:p14="http://schemas.microsoft.com/office/powerpoint/2010/main" val="1595092306"/>
+                <p14:modId xmlns:p14="http://schemas.microsoft.com/office/powerpoint/2010/main" val="890510448"/>
               </p:ext>
             </p:extLst>
           </p:nvPr>
@@ -10351,14 +10343,18 @@
           <a:lstStyle/>
           <a:p>
             <a:r>
-              <a:rPr lang="de-DE" dirty="0" smtClean="0"/>
-              <a:t>System </a:t>
+              <a:rPr lang="en-GB" dirty="0" smtClean="0"/>
+              <a:t>System</a:t>
             </a:r>
             <a:r>
-              <a:rPr lang="de-DE" dirty="0" err="1" smtClean="0"/>
+              <a:rPr lang="de-DE" dirty="0" smtClean="0"/>
+              <a:t> </a:t>
+            </a:r>
+            <a:r>
+              <a:rPr lang="en-GB" dirty="0" smtClean="0"/>
               <a:t>Tree</a:t>
             </a:r>
-            <a:endParaRPr lang="de-DE" dirty="0"/>
+            <a:endParaRPr lang="en-GB" dirty="0"/>
           </a:p>
         </p:txBody>
       </p:sp>
